--- a/ppt 16-9/1226.走向新时代.pptx
+++ b/ppt 16-9/1226.走向新时代.pptx
@@ -5,7 +5,7 @@
     <p:sldMasterId id="2147483648" r:id="rId1"/>
   </p:sldMasterIdLst>
   <p:sldIdLst>
-    <p:sldId id="760" r:id="rId2"/>
+    <p:sldId id="761" r:id="rId2"/>
   </p:sldIdLst>
   <p:sldSz cx="12192000" cy="6858000"/>
   <p:notesSz cx="6858000" cy="9144000"/>
@@ -129,7 +129,7 @@
           <p:cNvPr id="2" name="标题 1">
             <a:extLst>
               <a:ext uri="{FF2B5EF4-FFF2-40B4-BE49-F238E27FC236}">
-                <a16:creationId xmlns:a16="http://schemas.microsoft.com/office/drawing/2014/main" id="{1469AB93-004E-52C9-CA91-E9D21A8CB34B}"/>
+                <a16:creationId xmlns:a16="http://schemas.microsoft.com/office/drawing/2014/main" id="{7B62D7D5-2F27-3ED8-B115-869967B2DD0B}"/>
               </a:ext>
             </a:extLst>
           </p:cNvPr>
@@ -166,7 +166,7 @@
           <p:cNvPr id="3" name="副标题 2">
             <a:extLst>
               <a:ext uri="{FF2B5EF4-FFF2-40B4-BE49-F238E27FC236}">
-                <a16:creationId xmlns:a16="http://schemas.microsoft.com/office/drawing/2014/main" id="{C4383433-7300-E161-5A42-71FE9A9E2F3A}"/>
+                <a16:creationId xmlns:a16="http://schemas.microsoft.com/office/drawing/2014/main" id="{50B53B74-EAF6-27A4-DC57-696BFF544A39}"/>
               </a:ext>
             </a:extLst>
           </p:cNvPr>
@@ -236,7 +236,7 @@
           <p:cNvPr id="4" name="日期占位符 3">
             <a:extLst>
               <a:ext uri="{FF2B5EF4-FFF2-40B4-BE49-F238E27FC236}">
-                <a16:creationId xmlns:a16="http://schemas.microsoft.com/office/drawing/2014/main" id="{54199BC8-B860-4DCE-DAEE-38B681923285}"/>
+                <a16:creationId xmlns:a16="http://schemas.microsoft.com/office/drawing/2014/main" id="{0251F3EE-95D1-24AF-7A6A-404531071795}"/>
               </a:ext>
             </a:extLst>
           </p:cNvPr>
@@ -252,7 +252,7 @@
           <a:bodyPr/>
           <a:lstStyle/>
           <a:p>
-            <a:fld id="{98B6D715-4A3B-4B1B-B227-4E8B6799B63C}" type="datetimeFigureOut">
+            <a:fld id="{91E28AC6-B391-41D6-AFB8-DEE18EF96BB2}" type="datetimeFigureOut">
               <a:rPr lang="zh-CN" altLang="en-US" smtClean="0"/>
               <a:t>2024/3/10</a:t>
             </a:fld>
@@ -265,7 +265,7 @@
           <p:cNvPr id="5" name="页脚占位符 4">
             <a:extLst>
               <a:ext uri="{FF2B5EF4-FFF2-40B4-BE49-F238E27FC236}">
-                <a16:creationId xmlns:a16="http://schemas.microsoft.com/office/drawing/2014/main" id="{E66E3795-59AD-B62E-4DCF-0515BCEB4E3B}"/>
+                <a16:creationId xmlns:a16="http://schemas.microsoft.com/office/drawing/2014/main" id="{D5D7BF9D-F595-D6DC-4049-B6892C0226E3}"/>
               </a:ext>
             </a:extLst>
           </p:cNvPr>
@@ -290,7 +290,7 @@
           <p:cNvPr id="6" name="灯片编号占位符 5">
             <a:extLst>
               <a:ext uri="{FF2B5EF4-FFF2-40B4-BE49-F238E27FC236}">
-                <a16:creationId xmlns:a16="http://schemas.microsoft.com/office/drawing/2014/main" id="{3BAB7E1B-613D-49DC-4EBD-C3B03B8383CA}"/>
+                <a16:creationId xmlns:a16="http://schemas.microsoft.com/office/drawing/2014/main" id="{371B32D3-3902-A980-F526-D9193773F466}"/>
               </a:ext>
             </a:extLst>
           </p:cNvPr>
@@ -306,7 +306,7 @@
           <a:bodyPr/>
           <a:lstStyle/>
           <a:p>
-            <a:fld id="{3BDB9C27-F04A-45C5-A6B9-DF4D371A4C94}" type="slidenum">
+            <a:fld id="{09119B6D-C6AB-4DF5-8B65-77BA290130A2}" type="slidenum">
               <a:rPr lang="zh-CN" altLang="en-US" smtClean="0"/>
               <a:t>‹#›</a:t>
             </a:fld>
@@ -317,7 +317,7 @@
     </p:spTree>
     <p:extLst>
       <p:ext uri="{BB962C8B-B14F-4D97-AF65-F5344CB8AC3E}">
-        <p14:creationId xmlns:p14="http://schemas.microsoft.com/office/powerpoint/2010/main" val="4126069453"/>
+        <p14:creationId xmlns:p14="http://schemas.microsoft.com/office/powerpoint/2010/main" val="2091902527"/>
       </p:ext>
     </p:extLst>
   </p:cSld>
@@ -349,7 +349,7 @@
           <p:cNvPr id="2" name="标题 1">
             <a:extLst>
               <a:ext uri="{FF2B5EF4-FFF2-40B4-BE49-F238E27FC236}">
-                <a16:creationId xmlns:a16="http://schemas.microsoft.com/office/drawing/2014/main" id="{661F8958-8ABE-AB70-CFCA-E7BA5DF4B352}"/>
+                <a16:creationId xmlns:a16="http://schemas.microsoft.com/office/drawing/2014/main" id="{C51FC5F0-B7BC-4653-EDE6-2E1824C81CE9}"/>
               </a:ext>
             </a:extLst>
           </p:cNvPr>
@@ -377,7 +377,7 @@
           <p:cNvPr id="3" name="竖排文字占位符 2">
             <a:extLst>
               <a:ext uri="{FF2B5EF4-FFF2-40B4-BE49-F238E27FC236}">
-                <a16:creationId xmlns:a16="http://schemas.microsoft.com/office/drawing/2014/main" id="{794FB505-1E54-7E09-7170-30E444E6054F}"/>
+                <a16:creationId xmlns:a16="http://schemas.microsoft.com/office/drawing/2014/main" id="{24A6DD07-92F8-3A6E-A5E9-0C6FA548BA09}"/>
               </a:ext>
             </a:extLst>
           </p:cNvPr>
@@ -434,7 +434,7 @@
           <p:cNvPr id="4" name="日期占位符 3">
             <a:extLst>
               <a:ext uri="{FF2B5EF4-FFF2-40B4-BE49-F238E27FC236}">
-                <a16:creationId xmlns:a16="http://schemas.microsoft.com/office/drawing/2014/main" id="{D2D64C42-366E-DFE2-BCBF-C30D49BE44B5}"/>
+                <a16:creationId xmlns:a16="http://schemas.microsoft.com/office/drawing/2014/main" id="{242879D9-9403-28CF-3612-1A7A8B1F59F3}"/>
               </a:ext>
             </a:extLst>
           </p:cNvPr>
@@ -450,7 +450,7 @@
           <a:bodyPr/>
           <a:lstStyle/>
           <a:p>
-            <a:fld id="{98B6D715-4A3B-4B1B-B227-4E8B6799B63C}" type="datetimeFigureOut">
+            <a:fld id="{91E28AC6-B391-41D6-AFB8-DEE18EF96BB2}" type="datetimeFigureOut">
               <a:rPr lang="zh-CN" altLang="en-US" smtClean="0"/>
               <a:t>2024/3/10</a:t>
             </a:fld>
@@ -463,7 +463,7 @@
           <p:cNvPr id="5" name="页脚占位符 4">
             <a:extLst>
               <a:ext uri="{FF2B5EF4-FFF2-40B4-BE49-F238E27FC236}">
-                <a16:creationId xmlns:a16="http://schemas.microsoft.com/office/drawing/2014/main" id="{86B46161-2FED-064D-333B-FA874C0C6B2C}"/>
+                <a16:creationId xmlns:a16="http://schemas.microsoft.com/office/drawing/2014/main" id="{1D10890D-A84A-7BCC-E64E-1EC730D7F95F}"/>
               </a:ext>
             </a:extLst>
           </p:cNvPr>
@@ -488,7 +488,7 @@
           <p:cNvPr id="6" name="灯片编号占位符 5">
             <a:extLst>
               <a:ext uri="{FF2B5EF4-FFF2-40B4-BE49-F238E27FC236}">
-                <a16:creationId xmlns:a16="http://schemas.microsoft.com/office/drawing/2014/main" id="{DD673932-146C-6129-9E7C-3614C1737E32}"/>
+                <a16:creationId xmlns:a16="http://schemas.microsoft.com/office/drawing/2014/main" id="{AD6663DF-CD9D-0BDA-2A01-4936CC90F84E}"/>
               </a:ext>
             </a:extLst>
           </p:cNvPr>
@@ -504,7 +504,7 @@
           <a:bodyPr/>
           <a:lstStyle/>
           <a:p>
-            <a:fld id="{3BDB9C27-F04A-45C5-A6B9-DF4D371A4C94}" type="slidenum">
+            <a:fld id="{09119B6D-C6AB-4DF5-8B65-77BA290130A2}" type="slidenum">
               <a:rPr lang="zh-CN" altLang="en-US" smtClean="0"/>
               <a:t>‹#›</a:t>
             </a:fld>
@@ -515,7 +515,7 @@
     </p:spTree>
     <p:extLst>
       <p:ext uri="{BB962C8B-B14F-4D97-AF65-F5344CB8AC3E}">
-        <p14:creationId xmlns:p14="http://schemas.microsoft.com/office/powerpoint/2010/main" val="3815505410"/>
+        <p14:creationId xmlns:p14="http://schemas.microsoft.com/office/powerpoint/2010/main" val="548124644"/>
       </p:ext>
     </p:extLst>
   </p:cSld>
@@ -547,7 +547,7 @@
           <p:cNvPr id="2" name="竖排标题 1">
             <a:extLst>
               <a:ext uri="{FF2B5EF4-FFF2-40B4-BE49-F238E27FC236}">
-                <a16:creationId xmlns:a16="http://schemas.microsoft.com/office/drawing/2014/main" id="{06513D0E-31F4-DA6C-94B7-8EC2C30DD966}"/>
+                <a16:creationId xmlns:a16="http://schemas.microsoft.com/office/drawing/2014/main" id="{903D9F53-891A-4C48-B3BC-375C65A71965}"/>
               </a:ext>
             </a:extLst>
           </p:cNvPr>
@@ -580,7 +580,7 @@
           <p:cNvPr id="3" name="竖排文字占位符 2">
             <a:extLst>
               <a:ext uri="{FF2B5EF4-FFF2-40B4-BE49-F238E27FC236}">
-                <a16:creationId xmlns:a16="http://schemas.microsoft.com/office/drawing/2014/main" id="{ADE33E3E-B9E9-2F27-DDFB-5558702CF627}"/>
+                <a16:creationId xmlns:a16="http://schemas.microsoft.com/office/drawing/2014/main" id="{F5F0A2F1-49A9-132C-09E2-DBAF48F176B9}"/>
               </a:ext>
             </a:extLst>
           </p:cNvPr>
@@ -642,7 +642,7 @@
           <p:cNvPr id="4" name="日期占位符 3">
             <a:extLst>
               <a:ext uri="{FF2B5EF4-FFF2-40B4-BE49-F238E27FC236}">
-                <a16:creationId xmlns:a16="http://schemas.microsoft.com/office/drawing/2014/main" id="{627794AE-C589-1FA6-FC6B-ECCFF1BD0434}"/>
+                <a16:creationId xmlns:a16="http://schemas.microsoft.com/office/drawing/2014/main" id="{896E939E-050D-E3B1-5696-BEC07B483504}"/>
               </a:ext>
             </a:extLst>
           </p:cNvPr>
@@ -658,7 +658,7 @@
           <a:bodyPr/>
           <a:lstStyle/>
           <a:p>
-            <a:fld id="{98B6D715-4A3B-4B1B-B227-4E8B6799B63C}" type="datetimeFigureOut">
+            <a:fld id="{91E28AC6-B391-41D6-AFB8-DEE18EF96BB2}" type="datetimeFigureOut">
               <a:rPr lang="zh-CN" altLang="en-US" smtClean="0"/>
               <a:t>2024/3/10</a:t>
             </a:fld>
@@ -671,7 +671,7 @@
           <p:cNvPr id="5" name="页脚占位符 4">
             <a:extLst>
               <a:ext uri="{FF2B5EF4-FFF2-40B4-BE49-F238E27FC236}">
-                <a16:creationId xmlns:a16="http://schemas.microsoft.com/office/drawing/2014/main" id="{2A436C5D-F63F-70EA-5F61-C9A9428DEB3E}"/>
+                <a16:creationId xmlns:a16="http://schemas.microsoft.com/office/drawing/2014/main" id="{A07E41C5-3161-1969-50A7-BB3F715417FE}"/>
               </a:ext>
             </a:extLst>
           </p:cNvPr>
@@ -696,7 +696,7 @@
           <p:cNvPr id="6" name="灯片编号占位符 5">
             <a:extLst>
               <a:ext uri="{FF2B5EF4-FFF2-40B4-BE49-F238E27FC236}">
-                <a16:creationId xmlns:a16="http://schemas.microsoft.com/office/drawing/2014/main" id="{8493B720-B124-021F-D969-99B80D9AE2E0}"/>
+                <a16:creationId xmlns:a16="http://schemas.microsoft.com/office/drawing/2014/main" id="{D3CF2B10-2AF0-BD25-5C95-41873FB0A647}"/>
               </a:ext>
             </a:extLst>
           </p:cNvPr>
@@ -712,7 +712,7 @@
           <a:bodyPr/>
           <a:lstStyle/>
           <a:p>
-            <a:fld id="{3BDB9C27-F04A-45C5-A6B9-DF4D371A4C94}" type="slidenum">
+            <a:fld id="{09119B6D-C6AB-4DF5-8B65-77BA290130A2}" type="slidenum">
               <a:rPr lang="zh-CN" altLang="en-US" smtClean="0"/>
               <a:t>‹#›</a:t>
             </a:fld>
@@ -723,7 +723,7 @@
     </p:spTree>
     <p:extLst>
       <p:ext uri="{BB962C8B-B14F-4D97-AF65-F5344CB8AC3E}">
-        <p14:creationId xmlns:p14="http://schemas.microsoft.com/office/powerpoint/2010/main" val="4099160997"/>
+        <p14:creationId xmlns:p14="http://schemas.microsoft.com/office/powerpoint/2010/main" val="699075733"/>
       </p:ext>
     </p:extLst>
   </p:cSld>
@@ -755,7 +755,7 @@
           <p:cNvPr id="2" name="标题 1">
             <a:extLst>
               <a:ext uri="{FF2B5EF4-FFF2-40B4-BE49-F238E27FC236}">
-                <a16:creationId xmlns:a16="http://schemas.microsoft.com/office/drawing/2014/main" id="{2F3B638D-77AB-5174-9680-B7D7DB796D90}"/>
+                <a16:creationId xmlns:a16="http://schemas.microsoft.com/office/drawing/2014/main" id="{9E4F9548-6A9D-F1EA-F2F8-B0DAB8131293}"/>
               </a:ext>
             </a:extLst>
           </p:cNvPr>
@@ -783,7 +783,7 @@
           <p:cNvPr id="3" name="内容占位符 2">
             <a:extLst>
               <a:ext uri="{FF2B5EF4-FFF2-40B4-BE49-F238E27FC236}">
-                <a16:creationId xmlns:a16="http://schemas.microsoft.com/office/drawing/2014/main" id="{81F84F10-E9D5-E0ED-31D5-9256FD9D8752}"/>
+                <a16:creationId xmlns:a16="http://schemas.microsoft.com/office/drawing/2014/main" id="{67CDCE35-4423-1E2B-D230-FA382CC2B28A}"/>
               </a:ext>
             </a:extLst>
           </p:cNvPr>
@@ -840,7 +840,7 @@
           <p:cNvPr id="4" name="日期占位符 3">
             <a:extLst>
               <a:ext uri="{FF2B5EF4-FFF2-40B4-BE49-F238E27FC236}">
-                <a16:creationId xmlns:a16="http://schemas.microsoft.com/office/drawing/2014/main" id="{BA72E229-AD77-75E2-DC2F-7A38DA7B7815}"/>
+                <a16:creationId xmlns:a16="http://schemas.microsoft.com/office/drawing/2014/main" id="{20EC05F9-BDE1-54DF-23E2-BE9C5D452A84}"/>
               </a:ext>
             </a:extLst>
           </p:cNvPr>
@@ -856,7 +856,7 @@
           <a:bodyPr/>
           <a:lstStyle/>
           <a:p>
-            <a:fld id="{98B6D715-4A3B-4B1B-B227-4E8B6799B63C}" type="datetimeFigureOut">
+            <a:fld id="{91E28AC6-B391-41D6-AFB8-DEE18EF96BB2}" type="datetimeFigureOut">
               <a:rPr lang="zh-CN" altLang="en-US" smtClean="0"/>
               <a:t>2024/3/10</a:t>
             </a:fld>
@@ -869,7 +869,7 @@
           <p:cNvPr id="5" name="页脚占位符 4">
             <a:extLst>
               <a:ext uri="{FF2B5EF4-FFF2-40B4-BE49-F238E27FC236}">
-                <a16:creationId xmlns:a16="http://schemas.microsoft.com/office/drawing/2014/main" id="{183D857B-B6FB-8301-C037-2F4A48D3170D}"/>
+                <a16:creationId xmlns:a16="http://schemas.microsoft.com/office/drawing/2014/main" id="{2967B6BA-1CFA-BD10-9731-AA6A68A5344F}"/>
               </a:ext>
             </a:extLst>
           </p:cNvPr>
@@ -894,7 +894,7 @@
           <p:cNvPr id="6" name="灯片编号占位符 5">
             <a:extLst>
               <a:ext uri="{FF2B5EF4-FFF2-40B4-BE49-F238E27FC236}">
-                <a16:creationId xmlns:a16="http://schemas.microsoft.com/office/drawing/2014/main" id="{5F98431B-90EE-E64F-248C-91E4005660AE}"/>
+                <a16:creationId xmlns:a16="http://schemas.microsoft.com/office/drawing/2014/main" id="{87D95CEC-512B-C67A-6236-16F651E9DA00}"/>
               </a:ext>
             </a:extLst>
           </p:cNvPr>
@@ -910,7 +910,7 @@
           <a:bodyPr/>
           <a:lstStyle/>
           <a:p>
-            <a:fld id="{3BDB9C27-F04A-45C5-A6B9-DF4D371A4C94}" type="slidenum">
+            <a:fld id="{09119B6D-C6AB-4DF5-8B65-77BA290130A2}" type="slidenum">
               <a:rPr lang="zh-CN" altLang="en-US" smtClean="0"/>
               <a:t>‹#›</a:t>
             </a:fld>
@@ -921,7 +921,7 @@
     </p:spTree>
     <p:extLst>
       <p:ext uri="{BB962C8B-B14F-4D97-AF65-F5344CB8AC3E}">
-        <p14:creationId xmlns:p14="http://schemas.microsoft.com/office/powerpoint/2010/main" val="3223395867"/>
+        <p14:creationId xmlns:p14="http://schemas.microsoft.com/office/powerpoint/2010/main" val="3167885459"/>
       </p:ext>
     </p:extLst>
   </p:cSld>
@@ -953,7 +953,7 @@
           <p:cNvPr id="2" name="标题 1">
             <a:extLst>
               <a:ext uri="{FF2B5EF4-FFF2-40B4-BE49-F238E27FC236}">
-                <a16:creationId xmlns:a16="http://schemas.microsoft.com/office/drawing/2014/main" id="{0FD75271-CD3C-4E33-8703-F4CC385B3853}"/>
+                <a16:creationId xmlns:a16="http://schemas.microsoft.com/office/drawing/2014/main" id="{87C17472-EFAD-1AC9-B22E-B6E3ADA12999}"/>
               </a:ext>
             </a:extLst>
           </p:cNvPr>
@@ -990,7 +990,7 @@
           <p:cNvPr id="3" name="文本占位符 2">
             <a:extLst>
               <a:ext uri="{FF2B5EF4-FFF2-40B4-BE49-F238E27FC236}">
-                <a16:creationId xmlns:a16="http://schemas.microsoft.com/office/drawing/2014/main" id="{5520AA21-3BDD-0FAE-E8C8-5F5B3E263825}"/>
+                <a16:creationId xmlns:a16="http://schemas.microsoft.com/office/drawing/2014/main" id="{5DADA295-D85B-75ED-9080-AE8A7C4F50F5}"/>
               </a:ext>
             </a:extLst>
           </p:cNvPr>
@@ -1115,7 +1115,7 @@
           <p:cNvPr id="4" name="日期占位符 3">
             <a:extLst>
               <a:ext uri="{FF2B5EF4-FFF2-40B4-BE49-F238E27FC236}">
-                <a16:creationId xmlns:a16="http://schemas.microsoft.com/office/drawing/2014/main" id="{71161DC4-304A-4374-3F9A-1C8ECD586BE9}"/>
+                <a16:creationId xmlns:a16="http://schemas.microsoft.com/office/drawing/2014/main" id="{74648A7D-D448-88C0-507D-725E76C0F27D}"/>
               </a:ext>
             </a:extLst>
           </p:cNvPr>
@@ -1131,7 +1131,7 @@
           <a:bodyPr/>
           <a:lstStyle/>
           <a:p>
-            <a:fld id="{98B6D715-4A3B-4B1B-B227-4E8B6799B63C}" type="datetimeFigureOut">
+            <a:fld id="{91E28AC6-B391-41D6-AFB8-DEE18EF96BB2}" type="datetimeFigureOut">
               <a:rPr lang="zh-CN" altLang="en-US" smtClean="0"/>
               <a:t>2024/3/10</a:t>
             </a:fld>
@@ -1144,7 +1144,7 @@
           <p:cNvPr id="5" name="页脚占位符 4">
             <a:extLst>
               <a:ext uri="{FF2B5EF4-FFF2-40B4-BE49-F238E27FC236}">
-                <a16:creationId xmlns:a16="http://schemas.microsoft.com/office/drawing/2014/main" id="{2EDEDBD7-1D4E-D335-8472-21073DBB429B}"/>
+                <a16:creationId xmlns:a16="http://schemas.microsoft.com/office/drawing/2014/main" id="{A3B22460-1265-13EF-F6D2-B4205F91C166}"/>
               </a:ext>
             </a:extLst>
           </p:cNvPr>
@@ -1169,7 +1169,7 @@
           <p:cNvPr id="6" name="灯片编号占位符 5">
             <a:extLst>
               <a:ext uri="{FF2B5EF4-FFF2-40B4-BE49-F238E27FC236}">
-                <a16:creationId xmlns:a16="http://schemas.microsoft.com/office/drawing/2014/main" id="{2062DDCE-3AFE-CA43-D118-67E98E1207E4}"/>
+                <a16:creationId xmlns:a16="http://schemas.microsoft.com/office/drawing/2014/main" id="{6FF42A9A-BA59-40AB-FAA9-A5B4207D2E35}"/>
               </a:ext>
             </a:extLst>
           </p:cNvPr>
@@ -1185,7 +1185,7 @@
           <a:bodyPr/>
           <a:lstStyle/>
           <a:p>
-            <a:fld id="{3BDB9C27-F04A-45C5-A6B9-DF4D371A4C94}" type="slidenum">
+            <a:fld id="{09119B6D-C6AB-4DF5-8B65-77BA290130A2}" type="slidenum">
               <a:rPr lang="zh-CN" altLang="en-US" smtClean="0"/>
               <a:t>‹#›</a:t>
             </a:fld>
@@ -1196,7 +1196,7 @@
     </p:spTree>
     <p:extLst>
       <p:ext uri="{BB962C8B-B14F-4D97-AF65-F5344CB8AC3E}">
-        <p14:creationId xmlns:p14="http://schemas.microsoft.com/office/powerpoint/2010/main" val="2892298808"/>
+        <p14:creationId xmlns:p14="http://schemas.microsoft.com/office/powerpoint/2010/main" val="2092015047"/>
       </p:ext>
     </p:extLst>
   </p:cSld>
@@ -1228,7 +1228,7 @@
           <p:cNvPr id="2" name="标题 1">
             <a:extLst>
               <a:ext uri="{FF2B5EF4-FFF2-40B4-BE49-F238E27FC236}">
-                <a16:creationId xmlns:a16="http://schemas.microsoft.com/office/drawing/2014/main" id="{117EBCFF-19F1-3707-9496-C6E8297C7E6E}"/>
+                <a16:creationId xmlns:a16="http://schemas.microsoft.com/office/drawing/2014/main" id="{F884F4C8-B92F-6D51-2F94-5ED3C44B6559}"/>
               </a:ext>
             </a:extLst>
           </p:cNvPr>
@@ -1256,7 +1256,7 @@
           <p:cNvPr id="3" name="内容占位符 2">
             <a:extLst>
               <a:ext uri="{FF2B5EF4-FFF2-40B4-BE49-F238E27FC236}">
-                <a16:creationId xmlns:a16="http://schemas.microsoft.com/office/drawing/2014/main" id="{04CBB7EE-715F-4FC6-A24E-553618CC13F7}"/>
+                <a16:creationId xmlns:a16="http://schemas.microsoft.com/office/drawing/2014/main" id="{5A469B7F-8A56-45FE-87F4-09E0799CCC1C}"/>
               </a:ext>
             </a:extLst>
           </p:cNvPr>
@@ -1318,7 +1318,7 @@
           <p:cNvPr id="4" name="内容占位符 3">
             <a:extLst>
               <a:ext uri="{FF2B5EF4-FFF2-40B4-BE49-F238E27FC236}">
-                <a16:creationId xmlns:a16="http://schemas.microsoft.com/office/drawing/2014/main" id="{E57D2DEB-2521-BB1D-2915-13D1FB01F790}"/>
+                <a16:creationId xmlns:a16="http://schemas.microsoft.com/office/drawing/2014/main" id="{1D689869-FC85-CDE2-1060-967E049DBD5E}"/>
               </a:ext>
             </a:extLst>
           </p:cNvPr>
@@ -1380,7 +1380,7 @@
           <p:cNvPr id="5" name="日期占位符 4">
             <a:extLst>
               <a:ext uri="{FF2B5EF4-FFF2-40B4-BE49-F238E27FC236}">
-                <a16:creationId xmlns:a16="http://schemas.microsoft.com/office/drawing/2014/main" id="{3525B194-80E3-1666-589F-9538A82B2F42}"/>
+                <a16:creationId xmlns:a16="http://schemas.microsoft.com/office/drawing/2014/main" id="{06326313-C69F-FA2B-0531-3029012CAD1D}"/>
               </a:ext>
             </a:extLst>
           </p:cNvPr>
@@ -1396,7 +1396,7 @@
           <a:bodyPr/>
           <a:lstStyle/>
           <a:p>
-            <a:fld id="{98B6D715-4A3B-4B1B-B227-4E8B6799B63C}" type="datetimeFigureOut">
+            <a:fld id="{91E28AC6-B391-41D6-AFB8-DEE18EF96BB2}" type="datetimeFigureOut">
               <a:rPr lang="zh-CN" altLang="en-US" smtClean="0"/>
               <a:t>2024/3/10</a:t>
             </a:fld>
@@ -1409,7 +1409,7 @@
           <p:cNvPr id="6" name="页脚占位符 5">
             <a:extLst>
               <a:ext uri="{FF2B5EF4-FFF2-40B4-BE49-F238E27FC236}">
-                <a16:creationId xmlns:a16="http://schemas.microsoft.com/office/drawing/2014/main" id="{03ECD5B0-D025-F023-09F5-B546936A4E9D}"/>
+                <a16:creationId xmlns:a16="http://schemas.microsoft.com/office/drawing/2014/main" id="{D02645B4-EFC9-C15A-44CD-4D3C9BB48EB8}"/>
               </a:ext>
             </a:extLst>
           </p:cNvPr>
@@ -1434,7 +1434,7 @@
           <p:cNvPr id="7" name="灯片编号占位符 6">
             <a:extLst>
               <a:ext uri="{FF2B5EF4-FFF2-40B4-BE49-F238E27FC236}">
-                <a16:creationId xmlns:a16="http://schemas.microsoft.com/office/drawing/2014/main" id="{98D2686A-1954-BB5B-60A1-9CBBE545EF0E}"/>
+                <a16:creationId xmlns:a16="http://schemas.microsoft.com/office/drawing/2014/main" id="{4D897A03-CAAC-4F96-8C71-C3413C3859C9}"/>
               </a:ext>
             </a:extLst>
           </p:cNvPr>
@@ -1450,7 +1450,7 @@
           <a:bodyPr/>
           <a:lstStyle/>
           <a:p>
-            <a:fld id="{3BDB9C27-F04A-45C5-A6B9-DF4D371A4C94}" type="slidenum">
+            <a:fld id="{09119B6D-C6AB-4DF5-8B65-77BA290130A2}" type="slidenum">
               <a:rPr lang="zh-CN" altLang="en-US" smtClean="0"/>
               <a:t>‹#›</a:t>
             </a:fld>
@@ -1461,7 +1461,7 @@
     </p:spTree>
     <p:extLst>
       <p:ext uri="{BB962C8B-B14F-4D97-AF65-F5344CB8AC3E}">
-        <p14:creationId xmlns:p14="http://schemas.microsoft.com/office/powerpoint/2010/main" val="1633161229"/>
+        <p14:creationId xmlns:p14="http://schemas.microsoft.com/office/powerpoint/2010/main" val="388326199"/>
       </p:ext>
     </p:extLst>
   </p:cSld>
@@ -1493,7 +1493,7 @@
           <p:cNvPr id="2" name="标题 1">
             <a:extLst>
               <a:ext uri="{FF2B5EF4-FFF2-40B4-BE49-F238E27FC236}">
-                <a16:creationId xmlns:a16="http://schemas.microsoft.com/office/drawing/2014/main" id="{37E0CD6C-B894-A12F-F73C-31D6691C2607}"/>
+                <a16:creationId xmlns:a16="http://schemas.microsoft.com/office/drawing/2014/main" id="{E0F135F5-19EB-4679-ED6A-492C5E7E6C9A}"/>
               </a:ext>
             </a:extLst>
           </p:cNvPr>
@@ -1526,7 +1526,7 @@
           <p:cNvPr id="3" name="文本占位符 2">
             <a:extLst>
               <a:ext uri="{FF2B5EF4-FFF2-40B4-BE49-F238E27FC236}">
-                <a16:creationId xmlns:a16="http://schemas.microsoft.com/office/drawing/2014/main" id="{D7784B44-430F-C53E-D10E-26BC42C079DC}"/>
+                <a16:creationId xmlns:a16="http://schemas.microsoft.com/office/drawing/2014/main" id="{2262924D-B42E-F2B5-875D-1163C62121E5}"/>
               </a:ext>
             </a:extLst>
           </p:cNvPr>
@@ -1597,7 +1597,7 @@
           <p:cNvPr id="4" name="内容占位符 3">
             <a:extLst>
               <a:ext uri="{FF2B5EF4-FFF2-40B4-BE49-F238E27FC236}">
-                <a16:creationId xmlns:a16="http://schemas.microsoft.com/office/drawing/2014/main" id="{5AA5ACE9-09AD-513B-5B59-3F2268FE907F}"/>
+                <a16:creationId xmlns:a16="http://schemas.microsoft.com/office/drawing/2014/main" id="{11BECB9F-CCA5-C146-1B05-520C31DC7794}"/>
               </a:ext>
             </a:extLst>
           </p:cNvPr>
@@ -1659,7 +1659,7 @@
           <p:cNvPr id="5" name="文本占位符 4">
             <a:extLst>
               <a:ext uri="{FF2B5EF4-FFF2-40B4-BE49-F238E27FC236}">
-                <a16:creationId xmlns:a16="http://schemas.microsoft.com/office/drawing/2014/main" id="{BA582635-7C5B-C298-3B33-BB6FBF44C7F5}"/>
+                <a16:creationId xmlns:a16="http://schemas.microsoft.com/office/drawing/2014/main" id="{AD3C73F4-4E21-8FA4-F63B-EA957F491B92}"/>
               </a:ext>
             </a:extLst>
           </p:cNvPr>
@@ -1730,7 +1730,7 @@
           <p:cNvPr id="6" name="内容占位符 5">
             <a:extLst>
               <a:ext uri="{FF2B5EF4-FFF2-40B4-BE49-F238E27FC236}">
-                <a16:creationId xmlns:a16="http://schemas.microsoft.com/office/drawing/2014/main" id="{0F9577B1-5AAB-BB7D-88CE-6973A9B2CC70}"/>
+                <a16:creationId xmlns:a16="http://schemas.microsoft.com/office/drawing/2014/main" id="{1F085C97-68E7-6B15-651C-435B536F8297}"/>
               </a:ext>
             </a:extLst>
           </p:cNvPr>
@@ -1792,7 +1792,7 @@
           <p:cNvPr id="7" name="日期占位符 6">
             <a:extLst>
               <a:ext uri="{FF2B5EF4-FFF2-40B4-BE49-F238E27FC236}">
-                <a16:creationId xmlns:a16="http://schemas.microsoft.com/office/drawing/2014/main" id="{AD0E3405-B155-CE21-8CE3-7F6423CC2F14}"/>
+                <a16:creationId xmlns:a16="http://schemas.microsoft.com/office/drawing/2014/main" id="{6A39CDDC-F7C7-5185-3DCA-E86C51791652}"/>
               </a:ext>
             </a:extLst>
           </p:cNvPr>
@@ -1808,7 +1808,7 @@
           <a:bodyPr/>
           <a:lstStyle/>
           <a:p>
-            <a:fld id="{98B6D715-4A3B-4B1B-B227-4E8B6799B63C}" type="datetimeFigureOut">
+            <a:fld id="{91E28AC6-B391-41D6-AFB8-DEE18EF96BB2}" type="datetimeFigureOut">
               <a:rPr lang="zh-CN" altLang="en-US" smtClean="0"/>
               <a:t>2024/3/10</a:t>
             </a:fld>
@@ -1821,7 +1821,7 @@
           <p:cNvPr id="8" name="页脚占位符 7">
             <a:extLst>
               <a:ext uri="{FF2B5EF4-FFF2-40B4-BE49-F238E27FC236}">
-                <a16:creationId xmlns:a16="http://schemas.microsoft.com/office/drawing/2014/main" id="{47F29E0E-C7F0-698C-0771-D21842FE7B04}"/>
+                <a16:creationId xmlns:a16="http://schemas.microsoft.com/office/drawing/2014/main" id="{879AB7A7-EFCE-92E0-72A8-CA6253AADBD8}"/>
               </a:ext>
             </a:extLst>
           </p:cNvPr>
@@ -1846,7 +1846,7 @@
           <p:cNvPr id="9" name="灯片编号占位符 8">
             <a:extLst>
               <a:ext uri="{FF2B5EF4-FFF2-40B4-BE49-F238E27FC236}">
-                <a16:creationId xmlns:a16="http://schemas.microsoft.com/office/drawing/2014/main" id="{C5B6CEC7-1BFD-E96E-D6B1-E73A8FD25452}"/>
+                <a16:creationId xmlns:a16="http://schemas.microsoft.com/office/drawing/2014/main" id="{D7BBBC84-E5D4-0E53-006B-17E3E6D5CA8A}"/>
               </a:ext>
             </a:extLst>
           </p:cNvPr>
@@ -1862,7 +1862,7 @@
           <a:bodyPr/>
           <a:lstStyle/>
           <a:p>
-            <a:fld id="{3BDB9C27-F04A-45C5-A6B9-DF4D371A4C94}" type="slidenum">
+            <a:fld id="{09119B6D-C6AB-4DF5-8B65-77BA290130A2}" type="slidenum">
               <a:rPr lang="zh-CN" altLang="en-US" smtClean="0"/>
               <a:t>‹#›</a:t>
             </a:fld>
@@ -1873,7 +1873,7 @@
     </p:spTree>
     <p:extLst>
       <p:ext uri="{BB962C8B-B14F-4D97-AF65-F5344CB8AC3E}">
-        <p14:creationId xmlns:p14="http://schemas.microsoft.com/office/powerpoint/2010/main" val="2888993853"/>
+        <p14:creationId xmlns:p14="http://schemas.microsoft.com/office/powerpoint/2010/main" val="542269095"/>
       </p:ext>
     </p:extLst>
   </p:cSld>
@@ -1905,7 +1905,7 @@
           <p:cNvPr id="2" name="标题 1">
             <a:extLst>
               <a:ext uri="{FF2B5EF4-FFF2-40B4-BE49-F238E27FC236}">
-                <a16:creationId xmlns:a16="http://schemas.microsoft.com/office/drawing/2014/main" id="{6F21A962-31EF-C6E5-7F80-3C4C08573A36}"/>
+                <a16:creationId xmlns:a16="http://schemas.microsoft.com/office/drawing/2014/main" id="{2E49F02C-7730-5ED5-1F39-6B36199E8A03}"/>
               </a:ext>
             </a:extLst>
           </p:cNvPr>
@@ -1933,7 +1933,7 @@
           <p:cNvPr id="3" name="日期占位符 2">
             <a:extLst>
               <a:ext uri="{FF2B5EF4-FFF2-40B4-BE49-F238E27FC236}">
-                <a16:creationId xmlns:a16="http://schemas.microsoft.com/office/drawing/2014/main" id="{FECBA511-671C-115E-EB65-AF9C5F2AFD45}"/>
+                <a16:creationId xmlns:a16="http://schemas.microsoft.com/office/drawing/2014/main" id="{AC4DE4E8-CB60-49F3-5A11-CAA6412BC966}"/>
               </a:ext>
             </a:extLst>
           </p:cNvPr>
@@ -1949,7 +1949,7 @@
           <a:bodyPr/>
           <a:lstStyle/>
           <a:p>
-            <a:fld id="{98B6D715-4A3B-4B1B-B227-4E8B6799B63C}" type="datetimeFigureOut">
+            <a:fld id="{91E28AC6-B391-41D6-AFB8-DEE18EF96BB2}" type="datetimeFigureOut">
               <a:rPr lang="zh-CN" altLang="en-US" smtClean="0"/>
               <a:t>2024/3/10</a:t>
             </a:fld>
@@ -1962,7 +1962,7 @@
           <p:cNvPr id="4" name="页脚占位符 3">
             <a:extLst>
               <a:ext uri="{FF2B5EF4-FFF2-40B4-BE49-F238E27FC236}">
-                <a16:creationId xmlns:a16="http://schemas.microsoft.com/office/drawing/2014/main" id="{3B22ECE8-ABE8-7508-3413-DCF56828CA3B}"/>
+                <a16:creationId xmlns:a16="http://schemas.microsoft.com/office/drawing/2014/main" id="{352821DE-DDA1-FB16-356B-D4F85F115930}"/>
               </a:ext>
             </a:extLst>
           </p:cNvPr>
@@ -1987,7 +1987,7 @@
           <p:cNvPr id="5" name="灯片编号占位符 4">
             <a:extLst>
               <a:ext uri="{FF2B5EF4-FFF2-40B4-BE49-F238E27FC236}">
-                <a16:creationId xmlns:a16="http://schemas.microsoft.com/office/drawing/2014/main" id="{626D383C-3FAC-9527-6F50-C83184137E6D}"/>
+                <a16:creationId xmlns:a16="http://schemas.microsoft.com/office/drawing/2014/main" id="{CE1ED3C2-3BFD-E4DD-CD31-B0BDF9CD64EA}"/>
               </a:ext>
             </a:extLst>
           </p:cNvPr>
@@ -2003,7 +2003,7 @@
           <a:bodyPr/>
           <a:lstStyle/>
           <a:p>
-            <a:fld id="{3BDB9C27-F04A-45C5-A6B9-DF4D371A4C94}" type="slidenum">
+            <a:fld id="{09119B6D-C6AB-4DF5-8B65-77BA290130A2}" type="slidenum">
               <a:rPr lang="zh-CN" altLang="en-US" smtClean="0"/>
               <a:t>‹#›</a:t>
             </a:fld>
@@ -2014,7 +2014,7 @@
     </p:spTree>
     <p:extLst>
       <p:ext uri="{BB962C8B-B14F-4D97-AF65-F5344CB8AC3E}">
-        <p14:creationId xmlns:p14="http://schemas.microsoft.com/office/powerpoint/2010/main" val="2665254808"/>
+        <p14:creationId xmlns:p14="http://schemas.microsoft.com/office/powerpoint/2010/main" val="598158916"/>
       </p:ext>
     </p:extLst>
   </p:cSld>
@@ -2046,7 +2046,7 @@
           <p:cNvPr id="2" name="日期占位符 1">
             <a:extLst>
               <a:ext uri="{FF2B5EF4-FFF2-40B4-BE49-F238E27FC236}">
-                <a16:creationId xmlns:a16="http://schemas.microsoft.com/office/drawing/2014/main" id="{81792C0D-8FF7-B3AA-CF8E-E89B5002C57B}"/>
+                <a16:creationId xmlns:a16="http://schemas.microsoft.com/office/drawing/2014/main" id="{59922C2A-5C23-B3D1-C807-BA854D97B610}"/>
               </a:ext>
             </a:extLst>
           </p:cNvPr>
@@ -2062,7 +2062,7 @@
           <a:bodyPr/>
           <a:lstStyle/>
           <a:p>
-            <a:fld id="{98B6D715-4A3B-4B1B-B227-4E8B6799B63C}" type="datetimeFigureOut">
+            <a:fld id="{91E28AC6-B391-41D6-AFB8-DEE18EF96BB2}" type="datetimeFigureOut">
               <a:rPr lang="zh-CN" altLang="en-US" smtClean="0"/>
               <a:t>2024/3/10</a:t>
             </a:fld>
@@ -2075,7 +2075,7 @@
           <p:cNvPr id="3" name="页脚占位符 2">
             <a:extLst>
               <a:ext uri="{FF2B5EF4-FFF2-40B4-BE49-F238E27FC236}">
-                <a16:creationId xmlns:a16="http://schemas.microsoft.com/office/drawing/2014/main" id="{21E58F66-089C-0B33-0798-B2B2F559A9A5}"/>
+                <a16:creationId xmlns:a16="http://schemas.microsoft.com/office/drawing/2014/main" id="{852C19A5-AF5B-6CAC-4827-6CDE483B9148}"/>
               </a:ext>
             </a:extLst>
           </p:cNvPr>
@@ -2100,7 +2100,7 @@
           <p:cNvPr id="4" name="灯片编号占位符 3">
             <a:extLst>
               <a:ext uri="{FF2B5EF4-FFF2-40B4-BE49-F238E27FC236}">
-                <a16:creationId xmlns:a16="http://schemas.microsoft.com/office/drawing/2014/main" id="{3B24947E-83B2-7136-CA0A-E456EE95331C}"/>
+                <a16:creationId xmlns:a16="http://schemas.microsoft.com/office/drawing/2014/main" id="{FBBEA678-4A7E-73C1-A3AC-79A0EFFAC1BC}"/>
               </a:ext>
             </a:extLst>
           </p:cNvPr>
@@ -2116,7 +2116,7 @@
           <a:bodyPr/>
           <a:lstStyle/>
           <a:p>
-            <a:fld id="{3BDB9C27-F04A-45C5-A6B9-DF4D371A4C94}" type="slidenum">
+            <a:fld id="{09119B6D-C6AB-4DF5-8B65-77BA290130A2}" type="slidenum">
               <a:rPr lang="zh-CN" altLang="en-US" smtClean="0"/>
               <a:t>‹#›</a:t>
             </a:fld>
@@ -2127,7 +2127,7 @@
     </p:spTree>
     <p:extLst>
       <p:ext uri="{BB962C8B-B14F-4D97-AF65-F5344CB8AC3E}">
-        <p14:creationId xmlns:p14="http://schemas.microsoft.com/office/powerpoint/2010/main" val="1984765719"/>
+        <p14:creationId xmlns:p14="http://schemas.microsoft.com/office/powerpoint/2010/main" val="1721841801"/>
       </p:ext>
     </p:extLst>
   </p:cSld>
@@ -2159,7 +2159,7 @@
           <p:cNvPr id="2" name="标题 1">
             <a:extLst>
               <a:ext uri="{FF2B5EF4-FFF2-40B4-BE49-F238E27FC236}">
-                <a16:creationId xmlns:a16="http://schemas.microsoft.com/office/drawing/2014/main" id="{0063A7D2-B5F9-8B2F-DDB1-DB4C97416475}"/>
+                <a16:creationId xmlns:a16="http://schemas.microsoft.com/office/drawing/2014/main" id="{B9B80B3D-39DC-71EC-0E85-2BD9F1BEBAB5}"/>
               </a:ext>
             </a:extLst>
           </p:cNvPr>
@@ -2196,7 +2196,7 @@
           <p:cNvPr id="3" name="内容占位符 2">
             <a:extLst>
               <a:ext uri="{FF2B5EF4-FFF2-40B4-BE49-F238E27FC236}">
-                <a16:creationId xmlns:a16="http://schemas.microsoft.com/office/drawing/2014/main" id="{D3E97700-B393-FAB7-7804-8237687B2178}"/>
+                <a16:creationId xmlns:a16="http://schemas.microsoft.com/office/drawing/2014/main" id="{EE0F0958-F10B-6526-AD2B-1FB727F53C1B}"/>
               </a:ext>
             </a:extLst>
           </p:cNvPr>
@@ -2286,7 +2286,7 @@
           <p:cNvPr id="4" name="文本占位符 3">
             <a:extLst>
               <a:ext uri="{FF2B5EF4-FFF2-40B4-BE49-F238E27FC236}">
-                <a16:creationId xmlns:a16="http://schemas.microsoft.com/office/drawing/2014/main" id="{7AA423F4-469A-E540-FAA3-8B59A7B33578}"/>
+                <a16:creationId xmlns:a16="http://schemas.microsoft.com/office/drawing/2014/main" id="{DBD376CC-388A-7F4F-A30C-FB46823D49E4}"/>
               </a:ext>
             </a:extLst>
           </p:cNvPr>
@@ -2357,7 +2357,7 @@
           <p:cNvPr id="5" name="日期占位符 4">
             <a:extLst>
               <a:ext uri="{FF2B5EF4-FFF2-40B4-BE49-F238E27FC236}">
-                <a16:creationId xmlns:a16="http://schemas.microsoft.com/office/drawing/2014/main" id="{9ED4A58F-F733-A125-5702-D6DA5570B413}"/>
+                <a16:creationId xmlns:a16="http://schemas.microsoft.com/office/drawing/2014/main" id="{8BC12F7C-A99B-75E7-6265-2856C2E6F48A}"/>
               </a:ext>
             </a:extLst>
           </p:cNvPr>
@@ -2373,7 +2373,7 @@
           <a:bodyPr/>
           <a:lstStyle/>
           <a:p>
-            <a:fld id="{98B6D715-4A3B-4B1B-B227-4E8B6799B63C}" type="datetimeFigureOut">
+            <a:fld id="{91E28AC6-B391-41D6-AFB8-DEE18EF96BB2}" type="datetimeFigureOut">
               <a:rPr lang="zh-CN" altLang="en-US" smtClean="0"/>
               <a:t>2024/3/10</a:t>
             </a:fld>
@@ -2386,7 +2386,7 @@
           <p:cNvPr id="6" name="页脚占位符 5">
             <a:extLst>
               <a:ext uri="{FF2B5EF4-FFF2-40B4-BE49-F238E27FC236}">
-                <a16:creationId xmlns:a16="http://schemas.microsoft.com/office/drawing/2014/main" id="{B9556814-C394-5DD9-DA6E-C91627510BD0}"/>
+                <a16:creationId xmlns:a16="http://schemas.microsoft.com/office/drawing/2014/main" id="{30701258-03B4-9245-0AF6-8EC5219B7E34}"/>
               </a:ext>
             </a:extLst>
           </p:cNvPr>
@@ -2411,7 +2411,7 @@
           <p:cNvPr id="7" name="灯片编号占位符 6">
             <a:extLst>
               <a:ext uri="{FF2B5EF4-FFF2-40B4-BE49-F238E27FC236}">
-                <a16:creationId xmlns:a16="http://schemas.microsoft.com/office/drawing/2014/main" id="{ACD35AA6-6AD3-EC67-4880-AC73929BD31F}"/>
+                <a16:creationId xmlns:a16="http://schemas.microsoft.com/office/drawing/2014/main" id="{B6AB26DF-44E1-0BC9-8253-A93349BCA2EA}"/>
               </a:ext>
             </a:extLst>
           </p:cNvPr>
@@ -2427,7 +2427,7 @@
           <a:bodyPr/>
           <a:lstStyle/>
           <a:p>
-            <a:fld id="{3BDB9C27-F04A-45C5-A6B9-DF4D371A4C94}" type="slidenum">
+            <a:fld id="{09119B6D-C6AB-4DF5-8B65-77BA290130A2}" type="slidenum">
               <a:rPr lang="zh-CN" altLang="en-US" smtClean="0"/>
               <a:t>‹#›</a:t>
             </a:fld>
@@ -2438,7 +2438,7 @@
     </p:spTree>
     <p:extLst>
       <p:ext uri="{BB962C8B-B14F-4D97-AF65-F5344CB8AC3E}">
-        <p14:creationId xmlns:p14="http://schemas.microsoft.com/office/powerpoint/2010/main" val="201393289"/>
+        <p14:creationId xmlns:p14="http://schemas.microsoft.com/office/powerpoint/2010/main" val="428124360"/>
       </p:ext>
     </p:extLst>
   </p:cSld>
@@ -2470,7 +2470,7 @@
           <p:cNvPr id="2" name="标题 1">
             <a:extLst>
               <a:ext uri="{FF2B5EF4-FFF2-40B4-BE49-F238E27FC236}">
-                <a16:creationId xmlns:a16="http://schemas.microsoft.com/office/drawing/2014/main" id="{494EB34D-D9C9-B59B-8469-BDDECBC31937}"/>
+                <a16:creationId xmlns:a16="http://schemas.microsoft.com/office/drawing/2014/main" id="{ABFBF3D4-9A23-19BC-9CBA-2F363F37CFCB}"/>
               </a:ext>
             </a:extLst>
           </p:cNvPr>
@@ -2507,7 +2507,7 @@
           <p:cNvPr id="3" name="图片占位符 2">
             <a:extLst>
               <a:ext uri="{FF2B5EF4-FFF2-40B4-BE49-F238E27FC236}">
-                <a16:creationId xmlns:a16="http://schemas.microsoft.com/office/drawing/2014/main" id="{A63646F3-A866-3C05-2D94-2D7366A4EAC5}"/>
+                <a16:creationId xmlns:a16="http://schemas.microsoft.com/office/drawing/2014/main" id="{451345FB-0436-E1A9-1068-289F0DAAE036}"/>
               </a:ext>
             </a:extLst>
           </p:cNvPr>
@@ -2574,7 +2574,7 @@
           <p:cNvPr id="4" name="文本占位符 3">
             <a:extLst>
               <a:ext uri="{FF2B5EF4-FFF2-40B4-BE49-F238E27FC236}">
-                <a16:creationId xmlns:a16="http://schemas.microsoft.com/office/drawing/2014/main" id="{82DF0343-FA5A-8464-7FB5-169A946862C4}"/>
+                <a16:creationId xmlns:a16="http://schemas.microsoft.com/office/drawing/2014/main" id="{0287156B-C6D6-E969-AA0A-55216098B6FD}"/>
               </a:ext>
             </a:extLst>
           </p:cNvPr>
@@ -2645,7 +2645,7 @@
           <p:cNvPr id="5" name="日期占位符 4">
             <a:extLst>
               <a:ext uri="{FF2B5EF4-FFF2-40B4-BE49-F238E27FC236}">
-                <a16:creationId xmlns:a16="http://schemas.microsoft.com/office/drawing/2014/main" id="{404684C3-8FF8-93C2-E90C-2E76310BACAE}"/>
+                <a16:creationId xmlns:a16="http://schemas.microsoft.com/office/drawing/2014/main" id="{ECC5A8E2-A9FA-C5D4-C4D9-8A3CE43D4284}"/>
               </a:ext>
             </a:extLst>
           </p:cNvPr>
@@ -2661,7 +2661,7 @@
           <a:bodyPr/>
           <a:lstStyle/>
           <a:p>
-            <a:fld id="{98B6D715-4A3B-4B1B-B227-4E8B6799B63C}" type="datetimeFigureOut">
+            <a:fld id="{91E28AC6-B391-41D6-AFB8-DEE18EF96BB2}" type="datetimeFigureOut">
               <a:rPr lang="zh-CN" altLang="en-US" smtClean="0"/>
               <a:t>2024/3/10</a:t>
             </a:fld>
@@ -2674,7 +2674,7 @@
           <p:cNvPr id="6" name="页脚占位符 5">
             <a:extLst>
               <a:ext uri="{FF2B5EF4-FFF2-40B4-BE49-F238E27FC236}">
-                <a16:creationId xmlns:a16="http://schemas.microsoft.com/office/drawing/2014/main" id="{E92937E1-7EC8-B6BA-D936-ACFC46911179}"/>
+                <a16:creationId xmlns:a16="http://schemas.microsoft.com/office/drawing/2014/main" id="{CC7ABC17-6DE7-C438-7EC6-34C940365939}"/>
               </a:ext>
             </a:extLst>
           </p:cNvPr>
@@ -2699,7 +2699,7 @@
           <p:cNvPr id="7" name="灯片编号占位符 6">
             <a:extLst>
               <a:ext uri="{FF2B5EF4-FFF2-40B4-BE49-F238E27FC236}">
-                <a16:creationId xmlns:a16="http://schemas.microsoft.com/office/drawing/2014/main" id="{98571A99-0A75-9A3C-2C29-83C86E4207BA}"/>
+                <a16:creationId xmlns:a16="http://schemas.microsoft.com/office/drawing/2014/main" id="{762AFB07-DEFB-0A26-66DC-CA2014C00639}"/>
               </a:ext>
             </a:extLst>
           </p:cNvPr>
@@ -2715,7 +2715,7 @@
           <a:bodyPr/>
           <a:lstStyle/>
           <a:p>
-            <a:fld id="{3BDB9C27-F04A-45C5-A6B9-DF4D371A4C94}" type="slidenum">
+            <a:fld id="{09119B6D-C6AB-4DF5-8B65-77BA290130A2}" type="slidenum">
               <a:rPr lang="zh-CN" altLang="en-US" smtClean="0"/>
               <a:t>‹#›</a:t>
             </a:fld>
@@ -2726,7 +2726,7 @@
     </p:spTree>
     <p:extLst>
       <p:ext uri="{BB962C8B-B14F-4D97-AF65-F5344CB8AC3E}">
-        <p14:creationId xmlns:p14="http://schemas.microsoft.com/office/powerpoint/2010/main" val="3144983299"/>
+        <p14:creationId xmlns:p14="http://schemas.microsoft.com/office/powerpoint/2010/main" val="3817304874"/>
       </p:ext>
     </p:extLst>
   </p:cSld>
@@ -2763,7 +2763,7 @@
           <p:cNvPr id="2" name="标题占位符 1">
             <a:extLst>
               <a:ext uri="{FF2B5EF4-FFF2-40B4-BE49-F238E27FC236}">
-                <a16:creationId xmlns:a16="http://schemas.microsoft.com/office/drawing/2014/main" id="{D7FFBFEF-FB64-0626-BB0B-BD18975C3551}"/>
+                <a16:creationId xmlns:a16="http://schemas.microsoft.com/office/drawing/2014/main" id="{86B74989-2DF5-D790-CD7F-60D8C2DACB4F}"/>
               </a:ext>
             </a:extLst>
           </p:cNvPr>
@@ -2801,7 +2801,7 @@
           <p:cNvPr id="3" name="文本占位符 2">
             <a:extLst>
               <a:ext uri="{FF2B5EF4-FFF2-40B4-BE49-F238E27FC236}">
-                <a16:creationId xmlns:a16="http://schemas.microsoft.com/office/drawing/2014/main" id="{89BC15F9-61C5-CCB4-E2C6-F5D28F9CF530}"/>
+                <a16:creationId xmlns:a16="http://schemas.microsoft.com/office/drawing/2014/main" id="{12D02E4A-C35D-F755-EEBD-B93CD9472D4F}"/>
               </a:ext>
             </a:extLst>
           </p:cNvPr>
@@ -2868,7 +2868,7 @@
           <p:cNvPr id="4" name="日期占位符 3">
             <a:extLst>
               <a:ext uri="{FF2B5EF4-FFF2-40B4-BE49-F238E27FC236}">
-                <a16:creationId xmlns:a16="http://schemas.microsoft.com/office/drawing/2014/main" id="{51FFB580-C625-73FA-FD0D-12910626EF84}"/>
+                <a16:creationId xmlns:a16="http://schemas.microsoft.com/office/drawing/2014/main" id="{1D8A6761-1D4B-5AEB-00DF-B9EAD137FA65}"/>
               </a:ext>
             </a:extLst>
           </p:cNvPr>
@@ -2902,7 +2902,7 @@
             </a:lvl1pPr>
           </a:lstStyle>
           <a:p>
-            <a:fld id="{98B6D715-4A3B-4B1B-B227-4E8B6799B63C}" type="datetimeFigureOut">
+            <a:fld id="{91E28AC6-B391-41D6-AFB8-DEE18EF96BB2}" type="datetimeFigureOut">
               <a:rPr lang="zh-CN" altLang="en-US" smtClean="0"/>
               <a:t>2024/3/10</a:t>
             </a:fld>
@@ -2915,7 +2915,7 @@
           <p:cNvPr id="5" name="页脚占位符 4">
             <a:extLst>
               <a:ext uri="{FF2B5EF4-FFF2-40B4-BE49-F238E27FC236}">
-                <a16:creationId xmlns:a16="http://schemas.microsoft.com/office/drawing/2014/main" id="{361F4009-054E-8397-961D-7F023A682EBC}"/>
+                <a16:creationId xmlns:a16="http://schemas.microsoft.com/office/drawing/2014/main" id="{D1B0C4CD-E5D8-F214-BCEA-1304FEEC2915}"/>
               </a:ext>
             </a:extLst>
           </p:cNvPr>
@@ -2958,7 +2958,7 @@
           <p:cNvPr id="6" name="灯片编号占位符 5">
             <a:extLst>
               <a:ext uri="{FF2B5EF4-FFF2-40B4-BE49-F238E27FC236}">
-                <a16:creationId xmlns:a16="http://schemas.microsoft.com/office/drawing/2014/main" id="{8F2DDE5B-A2D2-B744-5518-312905F4F017}"/>
+                <a16:creationId xmlns:a16="http://schemas.microsoft.com/office/drawing/2014/main" id="{6E1F39DB-DC38-3FE7-9C8C-FFBDAE184E6E}"/>
               </a:ext>
             </a:extLst>
           </p:cNvPr>
@@ -2992,7 +2992,7 @@
             </a:lvl1pPr>
           </a:lstStyle>
           <a:p>
-            <a:fld id="{3BDB9C27-F04A-45C5-A6B9-DF4D371A4C94}" type="slidenum">
+            <a:fld id="{09119B6D-C6AB-4DF5-8B65-77BA290130A2}" type="slidenum">
               <a:rPr lang="zh-CN" altLang="en-US" smtClean="0"/>
               <a:t>‹#›</a:t>
             </a:fld>
@@ -3003,7 +3003,7 @@
     </p:spTree>
     <p:extLst>
       <p:ext uri="{BB962C8B-B14F-4D97-AF65-F5344CB8AC3E}">
-        <p14:creationId xmlns:p14="http://schemas.microsoft.com/office/powerpoint/2010/main" val="2137716497"/>
+        <p14:creationId xmlns:p14="http://schemas.microsoft.com/office/powerpoint/2010/main" val="674919849"/>
       </p:ext>
     </p:extLst>
   </p:cSld>
@@ -3323,7 +3323,7 @@
       </p:grpSpPr>
       <p:pic>
         <p:nvPicPr>
-          <p:cNvPr id="1255426" name="Picture 2" descr="1225"/>
+          <p:cNvPr id="1256450" name="Picture 2" descr="1226"/>
           <p:cNvPicPr>
             <a:picLocks noChangeAspect="1" noChangeArrowheads="1"/>
           </p:cNvPicPr>
